--- a/프레젠테이션1.pptx
+++ b/프레젠테이션1.pptx
@@ -104,6 +104,11 @@
       </a:defRPr>
     </a:lvl9pPr>
   </p:defaultTextStyle>
+  <p:extLst>
+    <p:ext uri="{EFAFB233-063F-42B5-8137-9DF3F51BA10A}">
+      <p15:sldGuideLst xmlns:p15="http://schemas.microsoft.com/office/powerpoint/2012/main"/>
+    </p:ext>
+  </p:extLst>
 </p:presentation>
 </file>
 
@@ -3342,115 +3347,94 @@
           <a:chExt cx="0" cy="0"/>
         </a:xfrm>
       </p:grpSpPr>
-      <p:grpSp>
-        <p:nvGrpSpPr>
-          <p:cNvPr id="7" name="그룹 6">
-            <a:extLst>
-              <a:ext uri="{FF2B5EF4-FFF2-40B4-BE49-F238E27FC236}">
-                <a16:creationId xmlns:a16="http://schemas.microsoft.com/office/drawing/2014/main" id="{84014622-8DA5-F50B-6A5A-FA212968BD32}"/>
-              </a:ext>
-            </a:extLst>
-          </p:cNvPr>
-          <p:cNvGrpSpPr/>
+      <p:sp>
+        <p:nvSpPr>
+          <p:cNvPr id="4" name="직사각형 3">
+            <a:extLst>
+              <a:ext uri="{FF2B5EF4-FFF2-40B4-BE49-F238E27FC236}">
+                <a16:creationId xmlns:a16="http://schemas.microsoft.com/office/drawing/2014/main" id="{929DAFEC-B430-7C9C-4218-E5965AC8AB70}"/>
+              </a:ext>
+            </a:extLst>
+          </p:cNvPr>
+          <p:cNvSpPr/>
           <p:nvPr/>
-        </p:nvGrpSpPr>
-        <p:grpSpPr>
+        </p:nvSpPr>
+        <p:spPr>
           <a:xfrm>
-            <a:off x="4051883" y="871799"/>
-            <a:ext cx="3363985" cy="5114401"/>
-            <a:chOff x="4051883" y="871799"/>
-            <a:chExt cx="3363985" cy="5114401"/>
+            <a:off x="4051883" y="92279"/>
+            <a:ext cx="3363985" cy="6644081"/>
           </a:xfrm>
-        </p:grpSpPr>
-        <p:sp>
-          <p:nvSpPr>
-            <p:cNvPr id="4" name="직사각형 3">
-              <a:extLst>
-                <a:ext uri="{FF2B5EF4-FFF2-40B4-BE49-F238E27FC236}">
-                  <a16:creationId xmlns:a16="http://schemas.microsoft.com/office/drawing/2014/main" id="{929DAFEC-B430-7C9C-4218-E5965AC8AB70}"/>
-                </a:ext>
-              </a:extLst>
-            </p:cNvPr>
-            <p:cNvSpPr/>
-            <p:nvPr/>
-          </p:nvSpPr>
-          <p:spPr>
-            <a:xfrm>
-              <a:off x="4051883" y="871799"/>
-              <a:ext cx="3363985" cy="5114401"/>
-            </a:xfrm>
-            <a:prstGeom prst="rect">
-              <a:avLst/>
-            </a:prstGeom>
-            <a:solidFill>
-              <a:srgbClr val="30B6E0"/>
-            </a:solidFill>
-            <a:ln>
-              <a:noFill/>
-            </a:ln>
-          </p:spPr>
-          <p:style>
-            <a:lnRef idx="2">
-              <a:schemeClr val="accent1">
-                <a:shade val="50000"/>
-              </a:schemeClr>
-            </a:lnRef>
-            <a:fillRef idx="1">
-              <a:schemeClr val="accent1"/>
-            </a:fillRef>
-            <a:effectRef idx="0">
-              <a:schemeClr val="accent1"/>
-            </a:effectRef>
-            <a:fontRef idx="minor">
-              <a:schemeClr val="lt1"/>
-            </a:fontRef>
-          </p:style>
-          <p:txBody>
-            <a:bodyPr rtlCol="0" anchor="ctr"/>
-            <a:lstStyle/>
-            <a:p>
-              <a:pPr algn="ctr"/>
-              <a:endParaRPr lang="en-US"/>
-            </a:p>
-          </p:txBody>
-        </p:sp>
-        <p:pic>
-          <p:nvPicPr>
-            <p:cNvPr id="6" name="그림 5">
-              <a:extLst>
-                <a:ext uri="{FF2B5EF4-FFF2-40B4-BE49-F238E27FC236}">
-                  <a16:creationId xmlns:a16="http://schemas.microsoft.com/office/drawing/2014/main" id="{C4BD9EDA-2E97-2E0F-2783-CE2E97F524EA}"/>
-                </a:ext>
-              </a:extLst>
-            </p:cNvPr>
-            <p:cNvPicPr>
-              <a:picLocks noChangeAspect="1"/>
-            </p:cNvPicPr>
-            <p:nvPr/>
-          </p:nvPicPr>
-          <p:blipFill>
-            <a:blip r:embed="rId2">
-              <a:extLst>
-                <a:ext uri="{28A0092B-C50C-407E-A947-70E740481C1C}">
-                  <a14:useLocalDpi xmlns:a14="http://schemas.microsoft.com/office/drawing/2010/main" val="0"/>
-                </a:ext>
-              </a:extLst>
-            </a:blip>
-            <a:stretch>
-              <a:fillRect/>
-            </a:stretch>
-          </p:blipFill>
-          <p:spPr>
-            <a:xfrm>
-              <a:off x="4824758" y="2340600"/>
-              <a:ext cx="1809843" cy="1235138"/>
-            </a:xfrm>
-            <a:prstGeom prst="rect">
-              <a:avLst/>
-            </a:prstGeom>
-          </p:spPr>
-        </p:pic>
-      </p:grpSp>
+          <a:prstGeom prst="rect">
+            <a:avLst/>
+          </a:prstGeom>
+          <a:solidFill>
+            <a:srgbClr val="30B6E0"/>
+          </a:solidFill>
+          <a:ln>
+            <a:noFill/>
+          </a:ln>
+        </p:spPr>
+        <p:style>
+          <a:lnRef idx="2">
+            <a:schemeClr val="accent1">
+              <a:shade val="50000"/>
+            </a:schemeClr>
+          </a:lnRef>
+          <a:fillRef idx="1">
+            <a:schemeClr val="accent1"/>
+          </a:fillRef>
+          <a:effectRef idx="0">
+            <a:schemeClr val="accent1"/>
+          </a:effectRef>
+          <a:fontRef idx="minor">
+            <a:schemeClr val="lt1"/>
+          </a:fontRef>
+        </p:style>
+        <p:txBody>
+          <a:bodyPr rtlCol="0" anchor="ctr"/>
+          <a:lstStyle/>
+          <a:p>
+            <a:pPr algn="ctr"/>
+            <a:endParaRPr lang="en-US"/>
+          </a:p>
+        </p:txBody>
+      </p:sp>
+      <p:pic>
+        <p:nvPicPr>
+          <p:cNvPr id="6" name="그림 5">
+            <a:extLst>
+              <a:ext uri="{FF2B5EF4-FFF2-40B4-BE49-F238E27FC236}">
+                <a16:creationId xmlns:a16="http://schemas.microsoft.com/office/drawing/2014/main" id="{C4BD9EDA-2E97-2E0F-2783-CE2E97F524EA}"/>
+              </a:ext>
+            </a:extLst>
+          </p:cNvPr>
+          <p:cNvPicPr>
+            <a:picLocks noChangeAspect="1"/>
+          </p:cNvPicPr>
+          <p:nvPr/>
+        </p:nvPicPr>
+        <p:blipFill>
+          <a:blip r:embed="rId2">
+            <a:extLst>
+              <a:ext uri="{28A0092B-C50C-407E-A947-70E740481C1C}">
+                <a14:useLocalDpi xmlns:a14="http://schemas.microsoft.com/office/drawing/2010/main" val="0"/>
+              </a:ext>
+            </a:extLst>
+          </a:blip>
+          <a:stretch>
+            <a:fillRect/>
+          </a:stretch>
+        </p:blipFill>
+        <p:spPr>
+          <a:xfrm>
+            <a:off x="4824758" y="2340600"/>
+            <a:ext cx="1809843" cy="1235138"/>
+          </a:xfrm>
+          <a:prstGeom prst="rect">
+            <a:avLst/>
+          </a:prstGeom>
+        </p:spPr>
+      </p:pic>
     </p:spTree>
     <p:extLst>
       <p:ext uri="{BB962C8B-B14F-4D97-AF65-F5344CB8AC3E}">
